--- a/Unit 11/Unit 11 For Live Session.pptx
+++ b/Unit 11/Unit 11 For Live Session.pptx
@@ -2404,7 +2404,7 @@
         </p:nvSpPr>
         <p:spPr>
           <a:xfrm>
-            <a:off x="5179979" y="1551562"/>
+            <a:off x="5530174" y="1551562"/>
             <a:ext cx="3156626" cy="880352"/>
           </a:xfrm>
         </p:spPr>
@@ -2417,7 +2417,7 @@
             </a:pPr>
             <a:r>
               <a:rPr lang="en-US" sz="2400" dirty="0"/>
-              <a:t>Run this code and get a feel for what it is doing.  Feel free to change it up and just learn by playing.  </a:t>
+              <a:t>Run this code and get a feel for what it is doing.  Feel free to change it up and just learn by playing. Create a slide that allows you to discuss the output / analysis / result.  </a:t>
             </a:r>
           </a:p>
         </p:txBody>
@@ -2998,7 +2998,7 @@
             </a:pPr>
             <a:r>
               <a:rPr lang="en-US" sz="2400" dirty="0"/>
-              <a:t>Next, this is similar code with a different model (Holt with linear trend.) Again, run this code and get a feel for what it is doing.  Feel free to change it up and just learn by playing.  </a:t>
+              <a:t>Next, this is similar code with a different model (Holt with linear trend.) Again, run this code and get a feel for what it is doing.  Feel free to change it up and just learn by playing. Create a slide that allows you to discuss the output / analysis / result.  </a:t>
             </a:r>
           </a:p>
         </p:txBody>
@@ -3522,7 +3522,7 @@
         </p:nvSpPr>
         <p:spPr>
           <a:xfrm>
-            <a:off x="5588539" y="1702341"/>
+            <a:off x="5627040" y="1865970"/>
             <a:ext cx="3380361" cy="880352"/>
           </a:xfrm>
         </p:spPr>
@@ -3534,8 +3534,8 @@
               <a:buNone/>
             </a:pPr>
             <a:r>
-              <a:rPr lang="en-US" sz="2400" dirty="0"/>
-              <a:t>We are changing the data this time.  Still just learn by playing with the code and looking closely at the input arguments and the output.  Also, record any questions that pop up while you are playing.  We can discuss them in live session.</a:t>
+              <a:rPr lang="en-US" sz="2000" dirty="0"/>
+              <a:t>We are changing the data this time.  Still just learn by playing with the code and looking closely at the input arguments and the output. Create a slide that allows you to discuss the output / analysis / result. Also, record any questions that pop up while you are playing.  We can discuss them in live session.</a:t>
             </a:r>
           </a:p>
         </p:txBody>
@@ -4002,7 +4002,7 @@
             <a:pPr lvl="1"/>
             <a:r>
               <a:rPr lang="en-US" sz="1600" dirty="0"/>
-              <a:t>Utilize SES to predict the next five years of maximum temperatures in Melbourne.  Plot this information, including the prior information and the forecast.  Add the predicted value line across 1990-present as a separate line, preferably blue.  So, to review, you should have your fit, the predicted value line overlaying it, and a forecast through 2021, all on one axis. Find the </a:t>
+              <a:t>Utilize SES to predict the next five years of maximum temperatures in Melbourne.  Plot this information, including the prior data, the SES predictions and the forecast.  Add the predicted value line across 1990-present as a separate line, preferably blue.  So, to review, you should have the data, the predicted value line overlaying it, and a forecast through 2021, all on one plot. Find the </a:t>
             </a:r>
             <a:r>
               <a:rPr lang="en-US" sz="1600" dirty="0" err="1"/>
@@ -4026,7 +4026,7 @@
             </a:r>
             <a:r>
               <a:rPr lang="en-US" sz="1600" dirty="0"/>
-              <a:t> Holt’s linear trend to also predict out five years.  Make sure initial=“optimal.”  As above, create a similar plot to 1C, but use the Holt fit instead.</a:t>
+              <a:t> Holt’s linear trend to also predict out five years.  Make sure initial=“optimal.”  As above, create a similar plot to the one you just completed for the SES model, but use the Holt fit instead.</a:t>
             </a:r>
             <a:endParaRPr lang="en-US" sz="1400" dirty="0"/>
           </a:p>
@@ -4058,7 +4058,15 @@
             <a:pPr lvl="1"/>
             <a:r>
               <a:rPr lang="en-US" sz="1600" dirty="0"/>
-              <a:t>Calculate and compare the ASE from the </a:t>
+              <a:t>Calculate and compare </a:t>
+            </a:r>
+            <a:r>
+              <a:rPr lang="en-US" sz="1600"/>
+              <a:t>the RMSE </a:t>
+            </a:r>
+            <a:r>
+              <a:rPr lang="en-US" sz="1600" dirty="0"/>
+              <a:t>from the </a:t>
             </a:r>
             <a:r>
               <a:rPr lang="en-US" sz="1600" dirty="0" err="1"/>
@@ -4192,8 +4200,29 @@
                 <a:ea typeface="Palatino Linotype" panose="02040502050505030304" pitchFamily="18" charset="0"/>
                 <a:cs typeface="Palatino Linotype" panose="02040502050505030304" pitchFamily="18" charset="0"/>
               </a:rPr>
-              <a:t>We will cover this in Live Session… get a head start if you have time!</a:t>
-            </a:r>
+              <a:t>Fun with a great plotting function / package… </a:t>
+            </a:r>
+            <a:r>
+              <a:rPr lang="en-US" sz="1600" b="1" dirty="0" err="1">
+                <a:latin typeface="Times New Roman" panose="02020603050405020304" pitchFamily="18" charset="0"/>
+                <a:ea typeface="Palatino Linotype" panose="02040502050505030304" pitchFamily="18" charset="0"/>
+                <a:cs typeface="Palatino Linotype" panose="02040502050505030304" pitchFamily="18" charset="0"/>
+              </a:rPr>
+              <a:t>Dygraphs</a:t>
+            </a:r>
+            <a:r>
+              <a:rPr lang="en-US" sz="1600" b="1">
+                <a:latin typeface="Times New Roman" panose="02020603050405020304" pitchFamily="18" charset="0"/>
+                <a:ea typeface="Palatino Linotype" panose="02040502050505030304" pitchFamily="18" charset="0"/>
+                <a:cs typeface="Palatino Linotype" panose="02040502050505030304" pitchFamily="18" charset="0"/>
+              </a:rPr>
+              <a:t>!  </a:t>
+            </a:r>
+            <a:endParaRPr lang="en-US" sz="1600" b="1" dirty="0">
+              <a:latin typeface="Times New Roman" panose="02020603050405020304" pitchFamily="18" charset="0"/>
+              <a:ea typeface="Palatino Linotype" panose="02040502050505030304" pitchFamily="18" charset="0"/>
+              <a:cs typeface="Palatino Linotype" panose="02040502050505030304" pitchFamily="18" charset="0"/>
+            </a:endParaRPr>
           </a:p>
           <a:p>
             <a:pPr marL="742950" marR="0" lvl="1" indent="-285750">
